--- a/설계서 4-4 (김민수, 정지훈, 오장원).pptx
+++ b/설계서 4-4 (김민수, 정지훈, 오장원).pptx
@@ -141,7 +141,7 @@
   </p:defaultTextStyle>
   <p:extLst>
     <p:ext uri="{EFAFB233-063F-42B5-8137-9DF3F51BA10A}">
-      <p15:sldGuideLst xmlns:p15="http://schemas.microsoft.com/office/powerpoint/2012/main" xmlns="">
+      <p15:sldGuideLst xmlns="" xmlns:p15="http://schemas.microsoft.com/office/powerpoint/2012/main">
         <p15:guide id="1" orient="horz" pos="2160">
           <p15:clr>
             <a:srgbClr val="A4A3A4"/>
@@ -288,7 +288,7 @@
             <a:fld id="{2AD7527D-D1DA-4749-A768-38EC746DA8F7}" type="datetimeFigureOut">
               <a:rPr lang="ko-KR" altLang="en-US" smtClean="0"/>
               <a:pPr/>
-              <a:t>2017-04-19</a:t>
+              <a:t>2017-04-27</a:t>
             </a:fld>
             <a:endParaRPr lang="ko-KR" altLang="en-US"/>
           </a:p>
@@ -340,7 +340,7 @@
     </p:spTree>
     <p:extLst>
       <p:ext uri="{BB962C8B-B14F-4D97-AF65-F5344CB8AC3E}">
-        <p14:creationId xmlns:p14="http://schemas.microsoft.com/office/powerpoint/2010/main" xmlns="" val="1606045026"/>
+        <p14:creationId xmlns="" xmlns:p14="http://schemas.microsoft.com/office/powerpoint/2010/main" val="1606045026"/>
       </p:ext>
     </p:extLst>
   </p:cSld>
@@ -458,7 +458,7 @@
             <a:fld id="{2AD7527D-D1DA-4749-A768-38EC746DA8F7}" type="datetimeFigureOut">
               <a:rPr lang="ko-KR" altLang="en-US" smtClean="0"/>
               <a:pPr/>
-              <a:t>2017-04-19</a:t>
+              <a:t>2017-04-27</a:t>
             </a:fld>
             <a:endParaRPr lang="ko-KR" altLang="en-US"/>
           </a:p>
@@ -510,7 +510,7 @@
     </p:spTree>
     <p:extLst>
       <p:ext uri="{BB962C8B-B14F-4D97-AF65-F5344CB8AC3E}">
-        <p14:creationId xmlns:p14="http://schemas.microsoft.com/office/powerpoint/2010/main" xmlns="" val="310123916"/>
+        <p14:creationId xmlns="" xmlns:p14="http://schemas.microsoft.com/office/powerpoint/2010/main" val="310123916"/>
       </p:ext>
     </p:extLst>
   </p:cSld>
@@ -638,7 +638,7 @@
             <a:fld id="{2AD7527D-D1DA-4749-A768-38EC746DA8F7}" type="datetimeFigureOut">
               <a:rPr lang="ko-KR" altLang="en-US" smtClean="0"/>
               <a:pPr/>
-              <a:t>2017-04-19</a:t>
+              <a:t>2017-04-27</a:t>
             </a:fld>
             <a:endParaRPr lang="ko-KR" altLang="en-US"/>
           </a:p>
@@ -690,7 +690,7 @@
     </p:spTree>
     <p:extLst>
       <p:ext uri="{BB962C8B-B14F-4D97-AF65-F5344CB8AC3E}">
-        <p14:creationId xmlns:p14="http://schemas.microsoft.com/office/powerpoint/2010/main" xmlns="" val="203447975"/>
+        <p14:creationId xmlns="" xmlns:p14="http://schemas.microsoft.com/office/powerpoint/2010/main" val="203447975"/>
       </p:ext>
     </p:extLst>
   </p:cSld>
@@ -808,7 +808,7 @@
             <a:fld id="{2AD7527D-D1DA-4749-A768-38EC746DA8F7}" type="datetimeFigureOut">
               <a:rPr lang="ko-KR" altLang="en-US" smtClean="0"/>
               <a:pPr/>
-              <a:t>2017-04-19</a:t>
+              <a:t>2017-04-27</a:t>
             </a:fld>
             <a:endParaRPr lang="ko-KR" altLang="en-US"/>
           </a:p>
@@ -860,7 +860,7 @@
     </p:spTree>
     <p:extLst>
       <p:ext uri="{BB962C8B-B14F-4D97-AF65-F5344CB8AC3E}">
-        <p14:creationId xmlns:p14="http://schemas.microsoft.com/office/powerpoint/2010/main" xmlns="" val="4074754776"/>
+        <p14:creationId xmlns="" xmlns:p14="http://schemas.microsoft.com/office/powerpoint/2010/main" val="4074754776"/>
       </p:ext>
     </p:extLst>
   </p:cSld>
@@ -1055,7 +1055,7 @@
             <a:fld id="{2AD7527D-D1DA-4749-A768-38EC746DA8F7}" type="datetimeFigureOut">
               <a:rPr lang="ko-KR" altLang="en-US" smtClean="0"/>
               <a:pPr/>
-              <a:t>2017-04-19</a:t>
+              <a:t>2017-04-27</a:t>
             </a:fld>
             <a:endParaRPr lang="ko-KR" altLang="en-US"/>
           </a:p>
@@ -1107,7 +1107,7 @@
     </p:spTree>
     <p:extLst>
       <p:ext uri="{BB962C8B-B14F-4D97-AF65-F5344CB8AC3E}">
-        <p14:creationId xmlns:p14="http://schemas.microsoft.com/office/powerpoint/2010/main" xmlns="" val="3125479288"/>
+        <p14:creationId xmlns="" xmlns:p14="http://schemas.microsoft.com/office/powerpoint/2010/main" val="3125479288"/>
       </p:ext>
     </p:extLst>
   </p:cSld>
@@ -1286,7 +1286,7 @@
             <a:fld id="{2AD7527D-D1DA-4749-A768-38EC746DA8F7}" type="datetimeFigureOut">
               <a:rPr lang="ko-KR" altLang="en-US" smtClean="0"/>
               <a:pPr/>
-              <a:t>2017-04-19</a:t>
+              <a:t>2017-04-27</a:t>
             </a:fld>
             <a:endParaRPr lang="ko-KR" altLang="en-US"/>
           </a:p>
@@ -1338,7 +1338,7 @@
     </p:spTree>
     <p:extLst>
       <p:ext uri="{BB962C8B-B14F-4D97-AF65-F5344CB8AC3E}">
-        <p14:creationId xmlns:p14="http://schemas.microsoft.com/office/powerpoint/2010/main" xmlns="" val="2353409015"/>
+        <p14:creationId xmlns="" xmlns:p14="http://schemas.microsoft.com/office/powerpoint/2010/main" val="2353409015"/>
       </p:ext>
     </p:extLst>
   </p:cSld>
@@ -1652,7 +1652,7 @@
             <a:fld id="{2AD7527D-D1DA-4749-A768-38EC746DA8F7}" type="datetimeFigureOut">
               <a:rPr lang="ko-KR" altLang="en-US" smtClean="0"/>
               <a:pPr/>
-              <a:t>2017-04-19</a:t>
+              <a:t>2017-04-27</a:t>
             </a:fld>
             <a:endParaRPr lang="ko-KR" altLang="en-US"/>
           </a:p>
@@ -1704,7 +1704,7 @@
     </p:spTree>
     <p:extLst>
       <p:ext uri="{BB962C8B-B14F-4D97-AF65-F5344CB8AC3E}">
-        <p14:creationId xmlns:p14="http://schemas.microsoft.com/office/powerpoint/2010/main" xmlns="" val="345343265"/>
+        <p14:creationId xmlns="" xmlns:p14="http://schemas.microsoft.com/office/powerpoint/2010/main" val="345343265"/>
       </p:ext>
     </p:extLst>
   </p:cSld>
@@ -1771,7 +1771,7 @@
             <a:fld id="{2AD7527D-D1DA-4749-A768-38EC746DA8F7}" type="datetimeFigureOut">
               <a:rPr lang="ko-KR" altLang="en-US" smtClean="0"/>
               <a:pPr/>
-              <a:t>2017-04-19</a:t>
+              <a:t>2017-04-27</a:t>
             </a:fld>
             <a:endParaRPr lang="ko-KR" altLang="en-US"/>
           </a:p>
@@ -1823,7 +1823,7 @@
     </p:spTree>
     <p:extLst>
       <p:ext uri="{BB962C8B-B14F-4D97-AF65-F5344CB8AC3E}">
-        <p14:creationId xmlns:p14="http://schemas.microsoft.com/office/powerpoint/2010/main" xmlns="" val="1824412671"/>
+        <p14:creationId xmlns="" xmlns:p14="http://schemas.microsoft.com/office/powerpoint/2010/main" val="1824412671"/>
       </p:ext>
     </p:extLst>
   </p:cSld>
@@ -1868,7 +1868,7 @@
             <a:fld id="{2AD7527D-D1DA-4749-A768-38EC746DA8F7}" type="datetimeFigureOut">
               <a:rPr lang="ko-KR" altLang="en-US" smtClean="0"/>
               <a:pPr/>
-              <a:t>2017-04-19</a:t>
+              <a:t>2017-04-27</a:t>
             </a:fld>
             <a:endParaRPr lang="ko-KR" altLang="en-US"/>
           </a:p>
@@ -1920,7 +1920,7 @@
     </p:spTree>
     <p:extLst>
       <p:ext uri="{BB962C8B-B14F-4D97-AF65-F5344CB8AC3E}">
-        <p14:creationId xmlns:p14="http://schemas.microsoft.com/office/powerpoint/2010/main" xmlns="" val="2970683048"/>
+        <p14:creationId xmlns="" xmlns:p14="http://schemas.microsoft.com/office/powerpoint/2010/main" val="2970683048"/>
       </p:ext>
     </p:extLst>
   </p:cSld>
@@ -2145,7 +2145,7 @@
             <a:fld id="{2AD7527D-D1DA-4749-A768-38EC746DA8F7}" type="datetimeFigureOut">
               <a:rPr lang="ko-KR" altLang="en-US" smtClean="0"/>
               <a:pPr/>
-              <a:t>2017-04-19</a:t>
+              <a:t>2017-04-27</a:t>
             </a:fld>
             <a:endParaRPr lang="ko-KR" altLang="en-US"/>
           </a:p>
@@ -2197,7 +2197,7 @@
     </p:spTree>
     <p:extLst>
       <p:ext uri="{BB962C8B-B14F-4D97-AF65-F5344CB8AC3E}">
-        <p14:creationId xmlns:p14="http://schemas.microsoft.com/office/powerpoint/2010/main" xmlns="" val="1713354284"/>
+        <p14:creationId xmlns="" xmlns:p14="http://schemas.microsoft.com/office/powerpoint/2010/main" val="1713354284"/>
       </p:ext>
     </p:extLst>
   </p:cSld>
@@ -2399,7 +2399,7 @@
             <a:fld id="{2AD7527D-D1DA-4749-A768-38EC746DA8F7}" type="datetimeFigureOut">
               <a:rPr lang="ko-KR" altLang="en-US" smtClean="0"/>
               <a:pPr/>
-              <a:t>2017-04-19</a:t>
+              <a:t>2017-04-27</a:t>
             </a:fld>
             <a:endParaRPr lang="ko-KR" altLang="en-US"/>
           </a:p>
@@ -2451,7 +2451,7 @@
     </p:spTree>
     <p:extLst>
       <p:ext uri="{BB962C8B-B14F-4D97-AF65-F5344CB8AC3E}">
-        <p14:creationId xmlns:p14="http://schemas.microsoft.com/office/powerpoint/2010/main" xmlns="" val="2163923265"/>
+        <p14:creationId xmlns="" xmlns:p14="http://schemas.microsoft.com/office/powerpoint/2010/main" val="2163923265"/>
       </p:ext>
     </p:extLst>
   </p:cSld>
@@ -2612,7 +2612,7 @@
             <a:fld id="{2AD7527D-D1DA-4749-A768-38EC746DA8F7}" type="datetimeFigureOut">
               <a:rPr lang="ko-KR" altLang="en-US" smtClean="0"/>
               <a:pPr/>
-              <a:t>2017-04-19</a:t>
+              <a:t>2017-04-27</a:t>
             </a:fld>
             <a:endParaRPr lang="ko-KR" altLang="en-US"/>
           </a:p>
@@ -2700,7 +2700,7 @@
     </p:spTree>
     <p:extLst>
       <p:ext uri="{BB962C8B-B14F-4D97-AF65-F5344CB8AC3E}">
-        <p14:creationId xmlns:p14="http://schemas.microsoft.com/office/powerpoint/2010/main" xmlns="" val="1919851308"/>
+        <p14:creationId xmlns="" xmlns:p14="http://schemas.microsoft.com/office/powerpoint/2010/main" val="1919851308"/>
       </p:ext>
     </p:extLst>
   </p:cSld>
@@ -4061,7 +4061,7 @@
           <a:blip r:embed="rId2" cstate="print">
             <a:extLst>
               <a:ext uri="{28A0092B-C50C-407E-A947-70E740481C1C}">
-                <a14:useLocalDpi xmlns:a14="http://schemas.microsoft.com/office/drawing/2010/main" xmlns="" val="0"/>
+                <a14:useLocalDpi xmlns="" xmlns:a14="http://schemas.microsoft.com/office/drawing/2010/main" val="0"/>
               </a:ext>
             </a:extLst>
           </a:blip>
@@ -4082,7 +4082,7 @@
           </a:effectLst>
           <a:extLst>
             <a:ext uri="{909E8E84-426E-40DD-AFC4-6F175D3DCCD1}">
-              <a14:hiddenFill xmlns:a14="http://schemas.microsoft.com/office/drawing/2010/main" xmlns="">
+              <a14:hiddenFill xmlns="" xmlns:a14="http://schemas.microsoft.com/office/drawing/2010/main">
                 <a:solidFill>
                   <a:srgbClr val="FFFFFF"/>
                 </a:solidFill>
@@ -4190,13 +4190,20 @@
     </p:spTree>
     <p:extLst>
       <p:ext uri="{BB962C8B-B14F-4D97-AF65-F5344CB8AC3E}">
-        <p14:creationId xmlns:p14="http://schemas.microsoft.com/office/powerpoint/2010/main" xmlns="" val="1403700990"/>
+        <p14:creationId xmlns="" xmlns:p14="http://schemas.microsoft.com/office/powerpoint/2010/main" val="1403700990"/>
       </p:ext>
     </p:extLst>
   </p:cSld>
   <p:clrMapOvr>
     <a:masterClrMapping/>
   </p:clrMapOvr>
+  <p:timing>
+    <p:tnLst>
+      <p:par>
+        <p:cTn id="1" dur="indefinite" restart="never" nodeType="tmRoot"/>
+      </p:par>
+    </p:tnLst>
+  </p:timing>
 </p:sld>
 </file>
 
@@ -4598,7 +4605,7 @@
           <a:blip r:embed="rId2" cstate="print">
             <a:extLst>
               <a:ext uri="{28A0092B-C50C-407E-A947-70E740481C1C}">
-                <a14:useLocalDpi xmlns:a14="http://schemas.microsoft.com/office/drawing/2010/main" xmlns="" val="0"/>
+                <a14:useLocalDpi xmlns="" xmlns:a14="http://schemas.microsoft.com/office/drawing/2010/main" val="0"/>
               </a:ext>
             </a:extLst>
           </a:blip>
@@ -4619,7 +4626,7 @@
           </a:effectLst>
           <a:extLst>
             <a:ext uri="{909E8E84-426E-40DD-AFC4-6F175D3DCCD1}">
-              <a14:hiddenFill xmlns:a14="http://schemas.microsoft.com/office/drawing/2010/main" xmlns="">
+              <a14:hiddenFill xmlns="" xmlns:a14="http://schemas.microsoft.com/office/drawing/2010/main">
                 <a:solidFill>
                   <a:srgbClr val="FFFFFF"/>
                 </a:solidFill>
@@ -4654,7 +4661,7 @@
             <a:blip r:embed="rId3" cstate="print">
               <a:extLst>
                 <a:ext uri="{28A0092B-C50C-407E-A947-70E740481C1C}">
-                  <a14:useLocalDpi xmlns:a14="http://schemas.microsoft.com/office/drawing/2010/main" xmlns="" val="0"/>
+                  <a14:useLocalDpi xmlns="" xmlns:a14="http://schemas.microsoft.com/office/drawing/2010/main" val="0"/>
                 </a:ext>
               </a:extLst>
             </a:blip>
@@ -7286,7 +7293,7 @@
     </p:spTree>
     <p:extLst>
       <p:ext uri="{BB962C8B-B14F-4D97-AF65-F5344CB8AC3E}">
-        <p14:creationId xmlns:p14="http://schemas.microsoft.com/office/powerpoint/2010/main" xmlns="" val="396207909"/>
+        <p14:creationId xmlns="" xmlns:p14="http://schemas.microsoft.com/office/powerpoint/2010/main" val="396207909"/>
       </p:ext>
     </p:extLst>
   </p:cSld>
@@ -7694,7 +7701,7 @@
           <a:blip r:embed="rId2" cstate="print">
             <a:extLst>
               <a:ext uri="{28A0092B-C50C-407E-A947-70E740481C1C}">
-                <a14:useLocalDpi xmlns:a14="http://schemas.microsoft.com/office/drawing/2010/main" xmlns="" val="0"/>
+                <a14:useLocalDpi xmlns="" xmlns:a14="http://schemas.microsoft.com/office/drawing/2010/main" val="0"/>
               </a:ext>
             </a:extLst>
           </a:blip>
@@ -7715,7 +7722,7 @@
           </a:effectLst>
           <a:extLst>
             <a:ext uri="{909E8E84-426E-40DD-AFC4-6F175D3DCCD1}">
-              <a14:hiddenFill xmlns:a14="http://schemas.microsoft.com/office/drawing/2010/main" xmlns="">
+              <a14:hiddenFill xmlns="" xmlns:a14="http://schemas.microsoft.com/office/drawing/2010/main">
                 <a:solidFill>
                   <a:srgbClr val="FFFFFF"/>
                 </a:solidFill>
@@ -8414,7 +8421,7 @@
           <a:blip r:embed="rId3" cstate="print">
             <a:extLst>
               <a:ext uri="{28A0092B-C50C-407E-A947-70E740481C1C}">
-                <a14:useLocalDpi xmlns:a14="http://schemas.microsoft.com/office/drawing/2010/main" xmlns="" val="0"/>
+                <a14:useLocalDpi xmlns="" xmlns:a14="http://schemas.microsoft.com/office/drawing/2010/main" val="0"/>
               </a:ext>
             </a:extLst>
           </a:blip>
@@ -9864,7 +9871,7 @@
     </p:spTree>
     <p:extLst>
       <p:ext uri="{BB962C8B-B14F-4D97-AF65-F5344CB8AC3E}">
-        <p14:creationId xmlns:p14="http://schemas.microsoft.com/office/powerpoint/2010/main" xmlns="" val="3017027599"/>
+        <p14:creationId xmlns="" xmlns:p14="http://schemas.microsoft.com/office/powerpoint/2010/main" val="3017027599"/>
       </p:ext>
     </p:extLst>
   </p:cSld>
@@ -10272,7 +10279,7 @@
           <a:blip r:embed="rId2" cstate="print">
             <a:extLst>
               <a:ext uri="{28A0092B-C50C-407E-A947-70E740481C1C}">
-                <a14:useLocalDpi xmlns:a14="http://schemas.microsoft.com/office/drawing/2010/main" xmlns="" val="0"/>
+                <a14:useLocalDpi xmlns="" xmlns:a14="http://schemas.microsoft.com/office/drawing/2010/main" val="0"/>
               </a:ext>
             </a:extLst>
           </a:blip>
@@ -10293,7 +10300,7 @@
           </a:effectLst>
           <a:extLst>
             <a:ext uri="{909E8E84-426E-40DD-AFC4-6F175D3DCCD1}">
-              <a14:hiddenFill xmlns:a14="http://schemas.microsoft.com/office/drawing/2010/main" xmlns="">
+              <a14:hiddenFill xmlns="" xmlns:a14="http://schemas.microsoft.com/office/drawing/2010/main">
                 <a:solidFill>
                   <a:srgbClr val="FFFFFF"/>
                 </a:solidFill>
@@ -10712,7 +10719,7 @@
           <a:blip r:embed="rId3" cstate="print">
             <a:extLst>
               <a:ext uri="{28A0092B-C50C-407E-A947-70E740481C1C}">
-                <a14:useLocalDpi xmlns:a14="http://schemas.microsoft.com/office/drawing/2010/main" xmlns="" val="0"/>
+                <a14:useLocalDpi xmlns="" xmlns:a14="http://schemas.microsoft.com/office/drawing/2010/main" val="0"/>
               </a:ext>
             </a:extLst>
           </a:blip>
@@ -10996,7 +11003,7 @@
     </p:spTree>
     <p:extLst>
       <p:ext uri="{BB962C8B-B14F-4D97-AF65-F5344CB8AC3E}">
-        <p14:creationId xmlns:p14="http://schemas.microsoft.com/office/powerpoint/2010/main" xmlns="" val="2097691074"/>
+        <p14:creationId xmlns="" xmlns:p14="http://schemas.microsoft.com/office/powerpoint/2010/main" val="2097691074"/>
       </p:ext>
     </p:extLst>
   </p:cSld>
@@ -11404,7 +11411,7 @@
           <a:blip r:embed="rId2" cstate="print">
             <a:extLst>
               <a:ext uri="{28A0092B-C50C-407E-A947-70E740481C1C}">
-                <a14:useLocalDpi xmlns:a14="http://schemas.microsoft.com/office/drawing/2010/main" xmlns="" val="0"/>
+                <a14:useLocalDpi xmlns="" xmlns:a14="http://schemas.microsoft.com/office/drawing/2010/main" val="0"/>
               </a:ext>
             </a:extLst>
           </a:blip>
@@ -11425,7 +11432,7 @@
           </a:effectLst>
           <a:extLst>
             <a:ext uri="{909E8E84-426E-40DD-AFC4-6F175D3DCCD1}">
-              <a14:hiddenFill xmlns:a14="http://schemas.microsoft.com/office/drawing/2010/main" xmlns="">
+              <a14:hiddenFill xmlns="" xmlns:a14="http://schemas.microsoft.com/office/drawing/2010/main">
                 <a:solidFill>
                   <a:srgbClr val="FFFFFF"/>
                 </a:solidFill>
@@ -12701,7 +12708,7 @@
           <a:blip r:embed="rId3" cstate="print">
             <a:extLst>
               <a:ext uri="{28A0092B-C50C-407E-A947-70E740481C1C}">
-                <a14:useLocalDpi xmlns:a14="http://schemas.microsoft.com/office/drawing/2010/main" xmlns="" val="0"/>
+                <a14:useLocalDpi xmlns="" xmlns:a14="http://schemas.microsoft.com/office/drawing/2010/main" val="0"/>
               </a:ext>
             </a:extLst>
           </a:blip>
@@ -12722,7 +12729,7 @@
     </p:spTree>
     <p:extLst>
       <p:ext uri="{BB962C8B-B14F-4D97-AF65-F5344CB8AC3E}">
-        <p14:creationId xmlns:p14="http://schemas.microsoft.com/office/powerpoint/2010/main" xmlns="" val="1291247654"/>
+        <p14:creationId xmlns="" xmlns:p14="http://schemas.microsoft.com/office/powerpoint/2010/main" val="1291247654"/>
       </p:ext>
     </p:extLst>
   </p:cSld>
@@ -13130,7 +13137,7 @@
           <a:blip r:embed="rId2" cstate="print">
             <a:extLst>
               <a:ext uri="{28A0092B-C50C-407E-A947-70E740481C1C}">
-                <a14:useLocalDpi xmlns:a14="http://schemas.microsoft.com/office/drawing/2010/main" xmlns="" val="0"/>
+                <a14:useLocalDpi xmlns="" xmlns:a14="http://schemas.microsoft.com/office/drawing/2010/main" val="0"/>
               </a:ext>
             </a:extLst>
           </a:blip>
@@ -13151,7 +13158,7 @@
           </a:effectLst>
           <a:extLst>
             <a:ext uri="{909E8E84-426E-40DD-AFC4-6F175D3DCCD1}">
-              <a14:hiddenFill xmlns:a14="http://schemas.microsoft.com/office/drawing/2010/main" xmlns="">
+              <a14:hiddenFill xmlns="" xmlns:a14="http://schemas.microsoft.com/office/drawing/2010/main">
                 <a:solidFill>
                   <a:srgbClr val="FFFFFF"/>
                 </a:solidFill>
@@ -13847,7 +13854,7 @@
           <a:blip r:embed="rId3" cstate="print">
             <a:extLst>
               <a:ext uri="{28A0092B-C50C-407E-A947-70E740481C1C}">
-                <a14:useLocalDpi xmlns:a14="http://schemas.microsoft.com/office/drawing/2010/main" xmlns="" val="0"/>
+                <a14:useLocalDpi xmlns="" xmlns:a14="http://schemas.microsoft.com/office/drawing/2010/main" val="0"/>
               </a:ext>
             </a:extLst>
           </a:blip>
@@ -13937,7 +13944,7 @@
             <a:blip r:embed="rId4" cstate="print">
               <a:extLst>
                 <a:ext uri="{28A0092B-C50C-407E-A947-70E740481C1C}">
-                  <a14:useLocalDpi xmlns:a14="http://schemas.microsoft.com/office/drawing/2010/main" xmlns="" val="0"/>
+                  <a14:useLocalDpi xmlns="" xmlns:a14="http://schemas.microsoft.com/office/drawing/2010/main" val="0"/>
                 </a:ext>
               </a:extLst>
             </a:blip>
@@ -13967,7 +13974,7 @@
             <a:blip r:embed="rId4" cstate="print">
               <a:extLst>
                 <a:ext uri="{28A0092B-C50C-407E-A947-70E740481C1C}">
-                  <a14:useLocalDpi xmlns:a14="http://schemas.microsoft.com/office/drawing/2010/main" xmlns="" val="0"/>
+                  <a14:useLocalDpi xmlns="" xmlns:a14="http://schemas.microsoft.com/office/drawing/2010/main" val="0"/>
                 </a:ext>
               </a:extLst>
             </a:blip>
@@ -14028,7 +14035,7 @@
           <a:blip r:embed="rId3" cstate="print">
             <a:extLst>
               <a:ext uri="{28A0092B-C50C-407E-A947-70E740481C1C}">
-                <a14:useLocalDpi xmlns:a14="http://schemas.microsoft.com/office/drawing/2010/main" xmlns="" val="0"/>
+                <a14:useLocalDpi xmlns="" xmlns:a14="http://schemas.microsoft.com/office/drawing/2010/main" val="0"/>
               </a:ext>
             </a:extLst>
           </a:blip>
@@ -14568,7 +14575,7 @@
           <a:blip r:embed="rId5" cstate="print">
             <a:extLst>
               <a:ext uri="{28A0092B-C50C-407E-A947-70E740481C1C}">
-                <a14:useLocalDpi xmlns:a14="http://schemas.microsoft.com/office/drawing/2010/main" xmlns="" val="0"/>
+                <a14:useLocalDpi xmlns="" xmlns:a14="http://schemas.microsoft.com/office/drawing/2010/main" val="0"/>
               </a:ext>
             </a:extLst>
           </a:blip>
@@ -14589,7 +14596,7 @@
     </p:spTree>
     <p:extLst>
       <p:ext uri="{BB962C8B-B14F-4D97-AF65-F5344CB8AC3E}">
-        <p14:creationId xmlns:p14="http://schemas.microsoft.com/office/powerpoint/2010/main" xmlns="" val="1565174753"/>
+        <p14:creationId xmlns="" xmlns:p14="http://schemas.microsoft.com/office/powerpoint/2010/main" val="1565174753"/>
       </p:ext>
     </p:extLst>
   </p:cSld>
@@ -14997,7 +15004,7 @@
           <a:blip r:embed="rId2" cstate="print">
             <a:extLst>
               <a:ext uri="{28A0092B-C50C-407E-A947-70E740481C1C}">
-                <a14:useLocalDpi xmlns:a14="http://schemas.microsoft.com/office/drawing/2010/main" xmlns="" val="0"/>
+                <a14:useLocalDpi xmlns="" xmlns:a14="http://schemas.microsoft.com/office/drawing/2010/main" val="0"/>
               </a:ext>
             </a:extLst>
           </a:blip>
@@ -15018,7 +15025,7 @@
           </a:effectLst>
           <a:extLst>
             <a:ext uri="{909E8E84-426E-40DD-AFC4-6F175D3DCCD1}">
-              <a14:hiddenFill xmlns:a14="http://schemas.microsoft.com/office/drawing/2010/main" xmlns="">
+              <a14:hiddenFill xmlns="" xmlns:a14="http://schemas.microsoft.com/office/drawing/2010/main">
                 <a:solidFill>
                   <a:srgbClr val="FFFFFF"/>
                 </a:solidFill>
@@ -15053,7 +15060,7 @@
             <a:blip r:embed="rId3" cstate="print">
               <a:extLst>
                 <a:ext uri="{28A0092B-C50C-407E-A947-70E740481C1C}">
-                  <a14:useLocalDpi xmlns:a14="http://schemas.microsoft.com/office/drawing/2010/main" xmlns="" val="0"/>
+                  <a14:useLocalDpi xmlns="" xmlns:a14="http://schemas.microsoft.com/office/drawing/2010/main" val="0"/>
                 </a:ext>
               </a:extLst>
             </a:blip>
@@ -15076,7 +15083,7 @@
             </a:effectLst>
             <a:extLst>
               <a:ext uri="{909E8E84-426E-40DD-AFC4-6F175D3DCCD1}">
-                <a14:hiddenFill xmlns:a14="http://schemas.microsoft.com/office/drawing/2010/main" xmlns="">
+                <a14:hiddenFill xmlns="" xmlns:a14="http://schemas.microsoft.com/office/drawing/2010/main">
                   <a:solidFill>
                     <a:srgbClr val="FFFFFF"/>
                   </a:solidFill>
@@ -15142,7 +15149,7 @@
           <p:nvPr>
             <p:extLst>
               <p:ext uri="{D42A27DB-BD31-4B8C-83A1-F6EECF244321}">
-                <p14:modId xmlns:p14="http://schemas.microsoft.com/office/powerpoint/2010/main" xmlns="" val="554426163"/>
+                <p14:modId xmlns="" xmlns:p14="http://schemas.microsoft.com/office/powerpoint/2010/main" val="554426163"/>
               </p:ext>
             </p:extLst>
           </p:nvPr>
@@ -15161,14 +15168,14 @@
                 <a:gridCol w="2672622">
                   <a:extLst>
                     <a:ext uri="{9D8B030D-6E8A-4147-A177-3AD203B41FA5}">
-                      <a16:colId xmlns:a16="http://schemas.microsoft.com/office/drawing/2014/main" xmlns="" val="20000"/>
+                      <a16:colId xmlns="" xmlns:a16="http://schemas.microsoft.com/office/drawing/2014/main" val="20000"/>
                     </a:ext>
                   </a:extLst>
                 </a:gridCol>
                 <a:gridCol w="2672622">
                   <a:extLst>
                     <a:ext uri="{9D8B030D-6E8A-4147-A177-3AD203B41FA5}">
-                      <a16:colId xmlns:a16="http://schemas.microsoft.com/office/drawing/2014/main" xmlns="" val="20001"/>
+                      <a16:colId xmlns="" xmlns:a16="http://schemas.microsoft.com/office/drawing/2014/main" val="20001"/>
                     </a:ext>
                   </a:extLst>
                 </a:gridCol>
@@ -15246,7 +15253,7 @@
                 </a:tc>
                 <a:extLst>
                   <a:ext uri="{0D108BD9-81ED-4DB2-BD59-A6C34878D82A}">
-                    <a16:rowId xmlns:a16="http://schemas.microsoft.com/office/drawing/2014/main" xmlns="" val="10000"/>
+                    <a16:rowId xmlns="" xmlns:a16="http://schemas.microsoft.com/office/drawing/2014/main" val="10000"/>
                   </a:ext>
                 </a:extLst>
               </a:tr>
@@ -15323,7 +15330,7 @@
                 </a:tc>
                 <a:extLst>
                   <a:ext uri="{0D108BD9-81ED-4DB2-BD59-A6C34878D82A}">
-                    <a16:rowId xmlns:a16="http://schemas.microsoft.com/office/drawing/2014/main" xmlns="" val="10001"/>
+                    <a16:rowId xmlns="" xmlns:a16="http://schemas.microsoft.com/office/drawing/2014/main" val="10001"/>
                   </a:ext>
                 </a:extLst>
               </a:tr>
@@ -15436,7 +15443,7 @@
                 </a:tc>
                 <a:extLst>
                   <a:ext uri="{0D108BD9-81ED-4DB2-BD59-A6C34878D82A}">
-                    <a16:rowId xmlns:a16="http://schemas.microsoft.com/office/drawing/2014/main" xmlns="" val="10002"/>
+                    <a16:rowId xmlns="" xmlns:a16="http://schemas.microsoft.com/office/drawing/2014/main" val="10002"/>
                   </a:ext>
                 </a:extLst>
               </a:tr>
@@ -15447,7 +15454,7 @@
     </p:spTree>
     <p:extLst>
       <p:ext uri="{BB962C8B-B14F-4D97-AF65-F5344CB8AC3E}">
-        <p14:creationId xmlns:p14="http://schemas.microsoft.com/office/powerpoint/2010/main" xmlns="" val="3225988434"/>
+        <p14:creationId xmlns="" xmlns:p14="http://schemas.microsoft.com/office/powerpoint/2010/main" val="3225988434"/>
       </p:ext>
     </p:extLst>
   </p:cSld>
@@ -15855,7 +15862,7 @@
           <a:blip r:embed="rId2" cstate="print">
             <a:extLst>
               <a:ext uri="{28A0092B-C50C-407E-A947-70E740481C1C}">
-                <a14:useLocalDpi xmlns:a14="http://schemas.microsoft.com/office/drawing/2010/main" xmlns="" val="0"/>
+                <a14:useLocalDpi xmlns="" xmlns:a14="http://schemas.microsoft.com/office/drawing/2010/main" val="0"/>
               </a:ext>
             </a:extLst>
           </a:blip>
@@ -15876,7 +15883,7 @@
           </a:effectLst>
           <a:extLst>
             <a:ext uri="{909E8E84-426E-40DD-AFC4-6F175D3DCCD1}">
-              <a14:hiddenFill xmlns:a14="http://schemas.microsoft.com/office/drawing/2010/main" xmlns="">
+              <a14:hiddenFill xmlns="" xmlns:a14="http://schemas.microsoft.com/office/drawing/2010/main">
                 <a:solidFill>
                   <a:srgbClr val="FFFFFF"/>
                 </a:solidFill>
@@ -15897,7 +15904,7 @@
           <a:blip r:embed="rId3" cstate="print">
             <a:extLst>
               <a:ext uri="{28A0092B-C50C-407E-A947-70E740481C1C}">
-                <a14:useLocalDpi xmlns:a14="http://schemas.microsoft.com/office/drawing/2010/main" xmlns="" val="0"/>
+                <a14:useLocalDpi xmlns="" xmlns:a14="http://schemas.microsoft.com/office/drawing/2010/main" val="0"/>
               </a:ext>
             </a:extLst>
           </a:blip>
@@ -15915,7 +15922,7 @@
           <a:noFill/>
           <a:extLst>
             <a:ext uri="{909E8E84-426E-40DD-AFC4-6F175D3DCCD1}">
-              <a14:hiddenFill xmlns:a14="http://schemas.microsoft.com/office/drawing/2010/main" xmlns="">
+              <a14:hiddenFill xmlns="" xmlns:a14="http://schemas.microsoft.com/office/drawing/2010/main">
                 <a:solidFill>
                   <a:srgbClr val="FFFFFF"/>
                 </a:solidFill>
@@ -15936,7 +15943,7 @@
           <a:blip r:embed="rId4" cstate="print">
             <a:extLst>
               <a:ext uri="{28A0092B-C50C-407E-A947-70E740481C1C}">
-                <a14:useLocalDpi xmlns:a14="http://schemas.microsoft.com/office/drawing/2010/main" xmlns="" val="0"/>
+                <a14:useLocalDpi xmlns="" xmlns:a14="http://schemas.microsoft.com/office/drawing/2010/main" val="0"/>
               </a:ext>
             </a:extLst>
           </a:blip>
@@ -15956,7 +15963,7 @@
           <a:noFill/>
           <a:extLst>
             <a:ext uri="{909E8E84-426E-40DD-AFC4-6F175D3DCCD1}">
-              <a14:hiddenFill xmlns:a14="http://schemas.microsoft.com/office/drawing/2010/main" xmlns="">
+              <a14:hiddenFill xmlns="" xmlns:a14="http://schemas.microsoft.com/office/drawing/2010/main">
                 <a:solidFill>
                   <a:srgbClr val="FFFFFF"/>
                 </a:solidFill>
@@ -15974,7 +15981,7 @@
           <p:nvPr>
             <p:extLst>
               <p:ext uri="{D42A27DB-BD31-4B8C-83A1-F6EECF244321}">
-                <p14:modId xmlns:p14="http://schemas.microsoft.com/office/powerpoint/2010/main" xmlns="" val="1285475184"/>
+                <p14:modId xmlns="" xmlns:p14="http://schemas.microsoft.com/office/powerpoint/2010/main" val="1285475184"/>
               </p:ext>
             </p:extLst>
           </p:nvPr>
@@ -15993,14 +16000,14 @@
                 <a:gridCol w="2672622">
                   <a:extLst>
                     <a:ext uri="{9D8B030D-6E8A-4147-A177-3AD203B41FA5}">
-                      <a16:colId xmlns:a16="http://schemas.microsoft.com/office/drawing/2014/main" xmlns="" val="20000"/>
+                      <a16:colId xmlns="" xmlns:a16="http://schemas.microsoft.com/office/drawing/2014/main" val="20000"/>
                     </a:ext>
                   </a:extLst>
                 </a:gridCol>
                 <a:gridCol w="2672622">
                   <a:extLst>
                     <a:ext uri="{9D8B030D-6E8A-4147-A177-3AD203B41FA5}">
-                      <a16:colId xmlns:a16="http://schemas.microsoft.com/office/drawing/2014/main" xmlns="" val="20001"/>
+                      <a16:colId xmlns="" xmlns:a16="http://schemas.microsoft.com/office/drawing/2014/main" val="20001"/>
                     </a:ext>
                   </a:extLst>
                 </a:gridCol>
@@ -16078,7 +16085,7 @@
                 </a:tc>
                 <a:extLst>
                   <a:ext uri="{0D108BD9-81ED-4DB2-BD59-A6C34878D82A}">
-                    <a16:rowId xmlns:a16="http://schemas.microsoft.com/office/drawing/2014/main" xmlns="" val="10000"/>
+                    <a16:rowId xmlns="" xmlns:a16="http://schemas.microsoft.com/office/drawing/2014/main" val="10000"/>
                   </a:ext>
                 </a:extLst>
               </a:tr>
@@ -16147,7 +16154,7 @@
                 </a:tc>
                 <a:extLst>
                   <a:ext uri="{0D108BD9-81ED-4DB2-BD59-A6C34878D82A}">
-                    <a16:rowId xmlns:a16="http://schemas.microsoft.com/office/drawing/2014/main" xmlns="" val="10001"/>
+                    <a16:rowId xmlns="" xmlns:a16="http://schemas.microsoft.com/office/drawing/2014/main" val="10001"/>
                   </a:ext>
                 </a:extLst>
               </a:tr>
@@ -16216,7 +16223,7 @@
                 </a:tc>
                 <a:extLst>
                   <a:ext uri="{0D108BD9-81ED-4DB2-BD59-A6C34878D82A}">
-                    <a16:rowId xmlns:a16="http://schemas.microsoft.com/office/drawing/2014/main" xmlns="" val="10002"/>
+                    <a16:rowId xmlns="" xmlns:a16="http://schemas.microsoft.com/office/drawing/2014/main" val="10002"/>
                   </a:ext>
                 </a:extLst>
               </a:tr>
@@ -16285,7 +16292,7 @@
                 </a:tc>
                 <a:extLst>
                   <a:ext uri="{0D108BD9-81ED-4DB2-BD59-A6C34878D82A}">
-                    <a16:rowId xmlns:a16="http://schemas.microsoft.com/office/drawing/2014/main" xmlns="" val="10003"/>
+                    <a16:rowId xmlns="" xmlns:a16="http://schemas.microsoft.com/office/drawing/2014/main" val="10003"/>
                   </a:ext>
                 </a:extLst>
               </a:tr>
@@ -16296,7 +16303,7 @@
     </p:spTree>
     <p:extLst>
       <p:ext uri="{BB962C8B-B14F-4D97-AF65-F5344CB8AC3E}">
-        <p14:creationId xmlns:p14="http://schemas.microsoft.com/office/powerpoint/2010/main" xmlns="" val="2690079918"/>
+        <p14:creationId xmlns="" xmlns:p14="http://schemas.microsoft.com/office/powerpoint/2010/main" val="2690079918"/>
       </p:ext>
     </p:extLst>
   </p:cSld>
@@ -16704,7 +16711,7 @@
           <a:blip r:embed="rId2" cstate="print">
             <a:extLst>
               <a:ext uri="{28A0092B-C50C-407E-A947-70E740481C1C}">
-                <a14:useLocalDpi xmlns:a14="http://schemas.microsoft.com/office/drawing/2010/main" xmlns="" val="0"/>
+                <a14:useLocalDpi xmlns="" xmlns:a14="http://schemas.microsoft.com/office/drawing/2010/main" val="0"/>
               </a:ext>
             </a:extLst>
           </a:blip>
@@ -16725,7 +16732,7 @@
           </a:effectLst>
           <a:extLst>
             <a:ext uri="{909E8E84-426E-40DD-AFC4-6F175D3DCCD1}">
-              <a14:hiddenFill xmlns:a14="http://schemas.microsoft.com/office/drawing/2010/main" xmlns="">
+              <a14:hiddenFill xmlns="" xmlns:a14="http://schemas.microsoft.com/office/drawing/2010/main">
                 <a:solidFill>
                   <a:srgbClr val="FFFFFF"/>
                 </a:solidFill>
@@ -17062,7 +17069,7 @@
     </p:spTree>
     <p:extLst>
       <p:ext uri="{BB962C8B-B14F-4D97-AF65-F5344CB8AC3E}">
-        <p14:creationId xmlns:p14="http://schemas.microsoft.com/office/powerpoint/2010/main" xmlns="" val="2606388879"/>
+        <p14:creationId xmlns="" xmlns:p14="http://schemas.microsoft.com/office/powerpoint/2010/main" val="2606388879"/>
       </p:ext>
     </p:extLst>
   </p:cSld>
@@ -17470,7 +17477,7 @@
           <a:blip r:embed="rId2" cstate="print">
             <a:extLst>
               <a:ext uri="{28A0092B-C50C-407E-A947-70E740481C1C}">
-                <a14:useLocalDpi xmlns:a14="http://schemas.microsoft.com/office/drawing/2010/main" xmlns="" val="0"/>
+                <a14:useLocalDpi xmlns="" xmlns:a14="http://schemas.microsoft.com/office/drawing/2010/main" val="0"/>
               </a:ext>
             </a:extLst>
           </a:blip>
@@ -17491,7 +17498,7 @@
           </a:effectLst>
           <a:extLst>
             <a:ext uri="{909E8E84-426E-40DD-AFC4-6F175D3DCCD1}">
-              <a14:hiddenFill xmlns:a14="http://schemas.microsoft.com/office/drawing/2010/main" xmlns="">
+              <a14:hiddenFill xmlns="" xmlns:a14="http://schemas.microsoft.com/office/drawing/2010/main">
                 <a:solidFill>
                   <a:srgbClr val="FFFFFF"/>
                 </a:solidFill>
@@ -17607,7 +17614,7 @@
         <p:spPr>
           <a:xfrm>
             <a:off x="1285125" y="2338712"/>
-            <a:ext cx="10244595" cy="2677656"/>
+            <a:ext cx="10244595" cy="3539430"/>
           </a:xfrm>
           <a:prstGeom prst="rect">
             <a:avLst/>
@@ -17649,7 +17656,7 @@
               <a:t>DB </a:t>
             </a:r>
             <a:r>
-              <a:rPr lang="ko-KR" altLang="en-US" sz="2800" dirty="0">
+              <a:rPr lang="ko-KR" altLang="en-US" sz="2800" dirty="0" smtClean="0">
                 <a:solidFill>
                   <a:schemeClr val="tx1">
                     <a:alpha val="70000"/>
@@ -17659,6 +17666,96 @@
                 <a:ea typeface="HY강B" panose="02030600000101010101" pitchFamily="18" charset="-127"/>
               </a:rPr>
               <a:t>저장</a:t>
+            </a:r>
+            <a:endParaRPr lang="en-US" altLang="ko-KR" sz="2800" dirty="0" smtClean="0">
+              <a:solidFill>
+                <a:schemeClr val="tx1">
+                  <a:alpha val="70000"/>
+                </a:schemeClr>
+              </a:solidFill>
+              <a:latin typeface="HY강B" panose="02030600000101010101" pitchFamily="18" charset="-127"/>
+              <a:ea typeface="HY강B" panose="02030600000101010101" pitchFamily="18" charset="-127"/>
+            </a:endParaRPr>
+          </a:p>
+          <a:p>
+            <a:pPr marL="457200" indent="-457200">
+              <a:buFont typeface="Arial" panose="020B0604020202020204" pitchFamily="34" charset="0"/>
+              <a:buChar char="•"/>
+            </a:pPr>
+            <a:endParaRPr lang="en-US" altLang="ko-KR" sz="2800" dirty="0" smtClean="0">
+              <a:solidFill>
+                <a:schemeClr val="tx1">
+                  <a:alpha val="70000"/>
+                </a:schemeClr>
+              </a:solidFill>
+              <a:latin typeface="HY강B" panose="02030600000101010101" pitchFamily="18" charset="-127"/>
+              <a:ea typeface="HY강B" panose="02030600000101010101" pitchFamily="18" charset="-127"/>
+            </a:endParaRPr>
+          </a:p>
+          <a:p>
+            <a:pPr marL="457200" indent="-457200">
+              <a:buFont typeface="Arial" panose="020B0604020202020204" pitchFamily="34" charset="0"/>
+              <a:buChar char="•"/>
+            </a:pPr>
+            <a:r>
+              <a:rPr lang="ko-KR" altLang="en-US" sz="2800" dirty="0" smtClean="0">
+                <a:solidFill>
+                  <a:schemeClr val="tx1">
+                    <a:alpha val="70000"/>
+                  </a:schemeClr>
+                </a:solidFill>
+                <a:latin typeface="HY강B" panose="02030600000101010101" pitchFamily="18" charset="-127"/>
+                <a:ea typeface="HY강B" panose="02030600000101010101" pitchFamily="18" charset="-127"/>
+              </a:rPr>
+              <a:t>가구 객체 정보 </a:t>
+            </a:r>
+            <a:r>
+              <a:rPr lang="en-US" altLang="ko-KR" sz="2800" dirty="0" smtClean="0">
+                <a:solidFill>
+                  <a:schemeClr val="tx1">
+                    <a:alpha val="70000"/>
+                  </a:schemeClr>
+                </a:solidFill>
+                <a:latin typeface="HY강B" panose="02030600000101010101" pitchFamily="18" charset="-127"/>
+                <a:ea typeface="HY강B" panose="02030600000101010101" pitchFamily="18" charset="-127"/>
+              </a:rPr>
+              <a:t>DB</a:t>
+            </a:r>
+            <a:r>
+              <a:rPr lang="ko-KR" altLang="en-US" sz="2800" dirty="0" smtClean="0">
+                <a:solidFill>
+                  <a:schemeClr val="tx1">
+                    <a:alpha val="70000"/>
+                  </a:schemeClr>
+                </a:solidFill>
+                <a:latin typeface="HY강B" panose="02030600000101010101" pitchFamily="18" charset="-127"/>
+                <a:ea typeface="HY강B" panose="02030600000101010101" pitchFamily="18" charset="-127"/>
+              </a:rPr>
+              <a:t>에서</a:t>
+            </a:r>
+            <a:r>
+              <a:rPr lang="en-US" altLang="ko-KR" sz="2800" dirty="0" smtClean="0">
+                <a:solidFill>
+                  <a:schemeClr val="tx1">
+                    <a:alpha val="70000"/>
+                  </a:schemeClr>
+                </a:solidFill>
+                <a:latin typeface="HY강B" panose="02030600000101010101" pitchFamily="18" charset="-127"/>
+                <a:ea typeface="HY강B" panose="02030600000101010101" pitchFamily="18" charset="-127"/>
+              </a:rPr>
+              <a:t> </a:t>
+            </a:r>
+            <a:r>
+              <a:rPr lang="ko-KR" altLang="en-US" sz="2800" dirty="0" smtClean="0">
+                <a:solidFill>
+                  <a:schemeClr val="tx1">
+                    <a:alpha val="70000"/>
+                  </a:schemeClr>
+                </a:solidFill>
+                <a:latin typeface="HY강B" panose="02030600000101010101" pitchFamily="18" charset="-127"/>
+                <a:ea typeface="HY강B" panose="02030600000101010101" pitchFamily="18" charset="-127"/>
+              </a:rPr>
+              <a:t>불러오기</a:t>
             </a:r>
             <a:endParaRPr lang="en-US" altLang="ko-KR" sz="2800" dirty="0">
               <a:solidFill>
@@ -17736,7 +17833,7 @@
               <a:buChar char="•"/>
             </a:pPr>
             <a:r>
-              <a:rPr lang="ko-KR" altLang="en-US" sz="2800" dirty="0">
+              <a:rPr lang="ko-KR" altLang="en-US" sz="2800" dirty="0" smtClean="0">
                 <a:solidFill>
                   <a:schemeClr val="tx1">
                     <a:alpha val="70000"/>
@@ -17745,31 +17842,7 @@
                 <a:latin typeface="HY강B" panose="02030600000101010101" pitchFamily="18" charset="-127"/>
                 <a:ea typeface="HY강B" panose="02030600000101010101" pitchFamily="18" charset="-127"/>
               </a:rPr>
-              <a:t>콘센트</a:t>
-            </a:r>
-            <a:r>
-              <a:rPr lang="en-US" altLang="ko-KR" sz="2800" dirty="0">
-                <a:solidFill>
-                  <a:schemeClr val="tx1">
-                    <a:alpha val="70000"/>
-                  </a:schemeClr>
-                </a:solidFill>
-                <a:latin typeface="HY강B" panose="02030600000101010101" pitchFamily="18" charset="-127"/>
-                <a:ea typeface="HY강B" panose="02030600000101010101" pitchFamily="18" charset="-127"/>
-              </a:rPr>
-              <a:t>, </a:t>
-            </a:r>
-            <a:r>
-              <a:rPr lang="ko-KR" altLang="en-US" sz="2800" dirty="0">
-                <a:solidFill>
-                  <a:schemeClr val="tx1">
-                    <a:alpha val="70000"/>
-                  </a:schemeClr>
-                </a:solidFill>
-                <a:latin typeface="HY강B" panose="02030600000101010101" pitchFamily="18" charset="-127"/>
-                <a:ea typeface="HY강B" panose="02030600000101010101" pitchFamily="18" charset="-127"/>
-              </a:rPr>
-              <a:t>스위치 인식 기능</a:t>
+              <a:t>자동 가구 인식</a:t>
             </a:r>
             <a:endParaRPr lang="en-US" altLang="ko-KR" sz="2800" dirty="0">
               <a:solidFill>
@@ -17801,7 +17874,7 @@
     </p:spTree>
     <p:extLst>
       <p:ext uri="{BB962C8B-B14F-4D97-AF65-F5344CB8AC3E}">
-        <p14:creationId xmlns:p14="http://schemas.microsoft.com/office/powerpoint/2010/main" xmlns="" val="4244270518"/>
+        <p14:creationId xmlns="" xmlns:p14="http://schemas.microsoft.com/office/powerpoint/2010/main" val="4244270518"/>
       </p:ext>
     </p:extLst>
   </p:cSld>
@@ -18209,7 +18282,7 @@
           <a:blip r:embed="rId2" cstate="print">
             <a:extLst>
               <a:ext uri="{28A0092B-C50C-407E-A947-70E740481C1C}">
-                <a14:useLocalDpi xmlns:a14="http://schemas.microsoft.com/office/drawing/2010/main" xmlns="" val="0"/>
+                <a14:useLocalDpi xmlns="" xmlns:a14="http://schemas.microsoft.com/office/drawing/2010/main" val="0"/>
               </a:ext>
             </a:extLst>
           </a:blip>
@@ -18230,7 +18303,7 @@
           </a:effectLst>
           <a:extLst>
             <a:ext uri="{909E8E84-426E-40DD-AFC4-6F175D3DCCD1}">
-              <a14:hiddenFill xmlns:a14="http://schemas.microsoft.com/office/drawing/2010/main" xmlns="">
+              <a14:hiddenFill xmlns="" xmlns:a14="http://schemas.microsoft.com/office/drawing/2010/main">
                 <a:solidFill>
                   <a:srgbClr val="FFFFFF"/>
                 </a:solidFill>
@@ -18346,7 +18419,7 @@
         <p:spPr>
           <a:xfrm>
             <a:off x="1285125" y="2338712"/>
-            <a:ext cx="10244595" cy="1384995"/>
+            <a:ext cx="10244595" cy="523220"/>
           </a:xfrm>
           <a:prstGeom prst="rect">
             <a:avLst/>
@@ -18373,40 +18446,10 @@
                 <a:latin typeface="HY강B" panose="02030600000101010101" pitchFamily="18" charset="-127"/>
                 <a:ea typeface="HY강B" panose="02030600000101010101" pitchFamily="18" charset="-127"/>
               </a:rPr>
-              <a:t>가구 자동 배치</a:t>
+              <a:t>가구 자동 </a:t>
             </a:r>
-            <a:endParaRPr lang="en-US" altLang="ko-KR" sz="2800" dirty="0">
-              <a:solidFill>
-                <a:schemeClr val="tx1">
-                  <a:alpha val="70000"/>
-                </a:schemeClr>
-              </a:solidFill>
-              <a:latin typeface="HY강B" panose="02030600000101010101" pitchFamily="18" charset="-127"/>
-              <a:ea typeface="HY강B" panose="02030600000101010101" pitchFamily="18" charset="-127"/>
-            </a:endParaRPr>
-          </a:p>
-          <a:p>
-            <a:pPr marL="457200" indent="-457200">
-              <a:buFont typeface="Arial" panose="020B0604020202020204" pitchFamily="34" charset="0"/>
-              <a:buChar char="•"/>
-            </a:pPr>
-            <a:endParaRPr lang="en-US" altLang="ko-KR" sz="2800" dirty="0">
-              <a:solidFill>
-                <a:schemeClr val="tx1">
-                  <a:alpha val="70000"/>
-                </a:schemeClr>
-              </a:solidFill>
-              <a:latin typeface="HY강B" panose="02030600000101010101" pitchFamily="18" charset="-127"/>
-              <a:ea typeface="HY강B" panose="02030600000101010101" pitchFamily="18" charset="-127"/>
-            </a:endParaRPr>
-          </a:p>
-          <a:p>
-            <a:pPr marL="457200" indent="-457200">
-              <a:buFont typeface="Arial" panose="020B0604020202020204" pitchFamily="34" charset="0"/>
-              <a:buChar char="•"/>
-            </a:pPr>
             <a:r>
-              <a:rPr lang="ko-KR" altLang="en-US" sz="2800" dirty="0">
+              <a:rPr lang="ko-KR" altLang="en-US" sz="2800" dirty="0" smtClean="0">
                 <a:solidFill>
                   <a:schemeClr val="tx1">
                     <a:alpha val="70000"/>
@@ -18415,7 +18458,7 @@
                 <a:latin typeface="HY강B" panose="02030600000101010101" pitchFamily="18" charset="-127"/>
                 <a:ea typeface="HY강B" panose="02030600000101010101" pitchFamily="18" charset="-127"/>
               </a:rPr>
-              <a:t>가구 모델 스캔</a:t>
+              <a:t>배치</a:t>
             </a:r>
             <a:endParaRPr lang="en-US" altLang="ko-KR" sz="2800" dirty="0">
               <a:solidFill>
@@ -18432,7 +18475,7 @@
     </p:spTree>
     <p:extLst>
       <p:ext uri="{BB962C8B-B14F-4D97-AF65-F5344CB8AC3E}">
-        <p14:creationId xmlns:p14="http://schemas.microsoft.com/office/powerpoint/2010/main" xmlns="" val="609501857"/>
+        <p14:creationId xmlns="" xmlns:p14="http://schemas.microsoft.com/office/powerpoint/2010/main" val="609501857"/>
       </p:ext>
     </p:extLst>
   </p:cSld>
@@ -18646,7 +18689,7 @@
             <a:blip r:embed="rId2" cstate="print">
               <a:extLst>
                 <a:ext uri="{28A0092B-C50C-407E-A947-70E740481C1C}">
-                  <a14:useLocalDpi xmlns:a14="http://schemas.microsoft.com/office/drawing/2010/main" xmlns="" val="0"/>
+                  <a14:useLocalDpi xmlns="" xmlns:a14="http://schemas.microsoft.com/office/drawing/2010/main" val="0"/>
                 </a:ext>
               </a:extLst>
             </a:blip>
@@ -18667,7 +18710,7 @@
             </a:effectLst>
             <a:extLst>
               <a:ext uri="{909E8E84-426E-40DD-AFC4-6F175D3DCCD1}">
-                <a14:hiddenFill xmlns:a14="http://schemas.microsoft.com/office/drawing/2010/main" xmlns="">
+                <a14:hiddenFill xmlns="" xmlns:a14="http://schemas.microsoft.com/office/drawing/2010/main">
                   <a:solidFill>
                     <a:srgbClr val="FFFFFF"/>
                   </a:solidFill>
@@ -20310,13 +20353,20 @@
     </p:spTree>
     <p:extLst>
       <p:ext uri="{BB962C8B-B14F-4D97-AF65-F5344CB8AC3E}">
-        <p14:creationId xmlns:p14="http://schemas.microsoft.com/office/powerpoint/2010/main" xmlns="" val="2345636858"/>
+        <p14:creationId xmlns="" xmlns:p14="http://schemas.microsoft.com/office/powerpoint/2010/main" val="2345636858"/>
       </p:ext>
     </p:extLst>
   </p:cSld>
   <p:clrMapOvr>
     <a:masterClrMapping/>
   </p:clrMapOvr>
+  <p:timing>
+    <p:tnLst>
+      <p:par>
+        <p:cTn id="1" dur="indefinite" restart="never" nodeType="tmRoot"/>
+      </p:par>
+    </p:tnLst>
+  </p:timing>
 </p:sld>
 </file>
 
@@ -20718,7 +20768,7 @@
           <a:blip r:embed="rId2" cstate="print">
             <a:extLst>
               <a:ext uri="{28A0092B-C50C-407E-A947-70E740481C1C}">
-                <a14:useLocalDpi xmlns:a14="http://schemas.microsoft.com/office/drawing/2010/main" xmlns="" val="0"/>
+                <a14:useLocalDpi xmlns="" xmlns:a14="http://schemas.microsoft.com/office/drawing/2010/main" val="0"/>
               </a:ext>
             </a:extLst>
           </a:blip>
@@ -20739,7 +20789,7 @@
           </a:effectLst>
           <a:extLst>
             <a:ext uri="{909E8E84-426E-40DD-AFC4-6F175D3DCCD1}">
-              <a14:hiddenFill xmlns:a14="http://schemas.microsoft.com/office/drawing/2010/main" xmlns="">
+              <a14:hiddenFill xmlns="" xmlns:a14="http://schemas.microsoft.com/office/drawing/2010/main">
                 <a:solidFill>
                   <a:srgbClr val="FFFFFF"/>
                 </a:solidFill>
@@ -21182,7 +21232,7 @@
     </p:spTree>
     <p:extLst>
       <p:ext uri="{BB962C8B-B14F-4D97-AF65-F5344CB8AC3E}">
-        <p14:creationId xmlns:p14="http://schemas.microsoft.com/office/powerpoint/2010/main" xmlns="" val="1107558813"/>
+        <p14:creationId xmlns="" xmlns:p14="http://schemas.microsoft.com/office/powerpoint/2010/main" val="1107558813"/>
       </p:ext>
     </p:extLst>
   </p:cSld>
@@ -21590,7 +21640,7 @@
           <a:blip r:embed="rId2" cstate="print">
             <a:extLst>
               <a:ext uri="{28A0092B-C50C-407E-A947-70E740481C1C}">
-                <a14:useLocalDpi xmlns:a14="http://schemas.microsoft.com/office/drawing/2010/main" xmlns="" val="0"/>
+                <a14:useLocalDpi xmlns="" xmlns:a14="http://schemas.microsoft.com/office/drawing/2010/main" val="0"/>
               </a:ext>
             </a:extLst>
           </a:blip>
@@ -21611,7 +21661,7 @@
           </a:effectLst>
           <a:extLst>
             <a:ext uri="{909E8E84-426E-40DD-AFC4-6F175D3DCCD1}">
-              <a14:hiddenFill xmlns:a14="http://schemas.microsoft.com/office/drawing/2010/main" xmlns="">
+              <a14:hiddenFill xmlns="" xmlns:a14="http://schemas.microsoft.com/office/drawing/2010/main">
                 <a:solidFill>
                   <a:srgbClr val="FFFFFF"/>
                 </a:solidFill>
@@ -21629,7 +21679,7 @@
           <p:nvPr>
             <p:extLst>
               <p:ext uri="{D42A27DB-BD31-4B8C-83A1-F6EECF244321}">
-                <p14:modId xmlns:p14="http://schemas.microsoft.com/office/powerpoint/2010/main" xmlns="" val="3391229874"/>
+                <p14:modId xmlns="" xmlns:p14="http://schemas.microsoft.com/office/powerpoint/2010/main" val="3391229874"/>
               </p:ext>
             </p:extLst>
           </p:nvPr>
@@ -21648,28 +21698,28 @@
                 <a:gridCol w="2471409">
                   <a:extLst>
                     <a:ext uri="{9D8B030D-6E8A-4147-A177-3AD203B41FA5}">
-                      <a16:colId xmlns:a16="http://schemas.microsoft.com/office/drawing/2014/main" xmlns="" val="20000"/>
+                      <a16:colId xmlns="" xmlns:a16="http://schemas.microsoft.com/office/drawing/2014/main" val="20000"/>
                     </a:ext>
                   </a:extLst>
                 </a:gridCol>
                 <a:gridCol w="2471409">
                   <a:extLst>
                     <a:ext uri="{9D8B030D-6E8A-4147-A177-3AD203B41FA5}">
-                      <a16:colId xmlns:a16="http://schemas.microsoft.com/office/drawing/2014/main" xmlns="" val="20001"/>
+                      <a16:colId xmlns="" xmlns:a16="http://schemas.microsoft.com/office/drawing/2014/main" val="20001"/>
                     </a:ext>
                   </a:extLst>
                 </a:gridCol>
                 <a:gridCol w="2471409">
                   <a:extLst>
                     <a:ext uri="{9D8B030D-6E8A-4147-A177-3AD203B41FA5}">
-                      <a16:colId xmlns:a16="http://schemas.microsoft.com/office/drawing/2014/main" xmlns="" val="20002"/>
+                      <a16:colId xmlns="" xmlns:a16="http://schemas.microsoft.com/office/drawing/2014/main" val="20002"/>
                     </a:ext>
                   </a:extLst>
                 </a:gridCol>
                 <a:gridCol w="2471409">
                   <a:extLst>
                     <a:ext uri="{9D8B030D-6E8A-4147-A177-3AD203B41FA5}">
-                      <a16:colId xmlns:a16="http://schemas.microsoft.com/office/drawing/2014/main" xmlns="" val="20003"/>
+                      <a16:colId xmlns="" xmlns:a16="http://schemas.microsoft.com/office/drawing/2014/main" val="20003"/>
                     </a:ext>
                   </a:extLst>
                 </a:gridCol>
@@ -21770,7 +21820,7 @@
                 </a:tc>
                 <a:extLst>
                   <a:ext uri="{0D108BD9-81ED-4DB2-BD59-A6C34878D82A}">
-                    <a16:rowId xmlns:a16="http://schemas.microsoft.com/office/drawing/2014/main" xmlns="" val="10000"/>
+                    <a16:rowId xmlns="" xmlns:a16="http://schemas.microsoft.com/office/drawing/2014/main" val="10000"/>
                   </a:ext>
                 </a:extLst>
               </a:tr>
@@ -21905,7 +21955,7 @@
                 </a:tc>
                 <a:extLst>
                   <a:ext uri="{0D108BD9-81ED-4DB2-BD59-A6C34878D82A}">
-                    <a16:rowId xmlns:a16="http://schemas.microsoft.com/office/drawing/2014/main" xmlns="" val="10001"/>
+                    <a16:rowId xmlns="" xmlns:a16="http://schemas.microsoft.com/office/drawing/2014/main" val="10001"/>
                   </a:ext>
                 </a:extLst>
               </a:tr>
@@ -22013,7 +22063,7 @@
                 </a:tc>
                 <a:extLst>
                   <a:ext uri="{0D108BD9-81ED-4DB2-BD59-A6C34878D82A}">
-                    <a16:rowId xmlns:a16="http://schemas.microsoft.com/office/drawing/2014/main" xmlns="" val="10002"/>
+                    <a16:rowId xmlns="" xmlns:a16="http://schemas.microsoft.com/office/drawing/2014/main" val="10002"/>
                   </a:ext>
                 </a:extLst>
               </a:tr>
@@ -22116,7 +22166,7 @@
                 </a:tc>
                 <a:extLst>
                   <a:ext uri="{0D108BD9-81ED-4DB2-BD59-A6C34878D82A}">
-                    <a16:rowId xmlns:a16="http://schemas.microsoft.com/office/drawing/2014/main" xmlns="" val="10003"/>
+                    <a16:rowId xmlns="" xmlns:a16="http://schemas.microsoft.com/office/drawing/2014/main" val="10003"/>
                   </a:ext>
                 </a:extLst>
               </a:tr>
@@ -22225,7 +22275,7 @@
                 </a:tc>
                 <a:extLst>
                   <a:ext uri="{0D108BD9-81ED-4DB2-BD59-A6C34878D82A}">
-                    <a16:rowId xmlns:a16="http://schemas.microsoft.com/office/drawing/2014/main" xmlns="" val="10004"/>
+                    <a16:rowId xmlns="" xmlns:a16="http://schemas.microsoft.com/office/drawing/2014/main" val="10004"/>
                   </a:ext>
                 </a:extLst>
               </a:tr>
@@ -22358,7 +22408,7 @@
                 </a:tc>
                 <a:extLst>
                   <a:ext uri="{0D108BD9-81ED-4DB2-BD59-A6C34878D82A}">
-                    <a16:rowId xmlns:a16="http://schemas.microsoft.com/office/drawing/2014/main" xmlns="" val="10005"/>
+                    <a16:rowId xmlns="" xmlns:a16="http://schemas.microsoft.com/office/drawing/2014/main" val="10005"/>
                   </a:ext>
                 </a:extLst>
               </a:tr>
@@ -22369,7 +22419,7 @@
     </p:spTree>
     <p:extLst>
       <p:ext uri="{BB962C8B-B14F-4D97-AF65-F5344CB8AC3E}">
-        <p14:creationId xmlns:p14="http://schemas.microsoft.com/office/powerpoint/2010/main" xmlns="" val="2560221434"/>
+        <p14:creationId xmlns="" xmlns:p14="http://schemas.microsoft.com/office/powerpoint/2010/main" val="2560221434"/>
       </p:ext>
     </p:extLst>
   </p:cSld>
@@ -22777,7 +22827,7 @@
           <a:blip r:embed="rId2" cstate="print">
             <a:extLst>
               <a:ext uri="{28A0092B-C50C-407E-A947-70E740481C1C}">
-                <a14:useLocalDpi xmlns:a14="http://schemas.microsoft.com/office/drawing/2010/main" xmlns="" val="0"/>
+                <a14:useLocalDpi xmlns="" xmlns:a14="http://schemas.microsoft.com/office/drawing/2010/main" val="0"/>
               </a:ext>
             </a:extLst>
           </a:blip>
@@ -22798,7 +22848,7 @@
           </a:effectLst>
           <a:extLst>
             <a:ext uri="{909E8E84-426E-40DD-AFC4-6F175D3DCCD1}">
-              <a14:hiddenFill xmlns:a14="http://schemas.microsoft.com/office/drawing/2010/main" xmlns="">
+              <a14:hiddenFill xmlns="" xmlns:a14="http://schemas.microsoft.com/office/drawing/2010/main">
                 <a:solidFill>
                   <a:srgbClr val="FFFFFF"/>
                 </a:solidFill>
@@ -22816,7 +22866,7 @@
           <p:nvPr>
             <p:extLst>
               <p:ext uri="{D42A27DB-BD31-4B8C-83A1-F6EECF244321}">
-                <p14:modId xmlns:p14="http://schemas.microsoft.com/office/powerpoint/2010/main" xmlns="" val="1794044758"/>
+                <p14:modId xmlns="" xmlns:p14="http://schemas.microsoft.com/office/powerpoint/2010/main" val="1794044758"/>
               </p:ext>
             </p:extLst>
           </p:nvPr>
@@ -22835,70 +22885,70 @@
                 <a:gridCol w="2123657">
                   <a:extLst>
                     <a:ext uri="{9D8B030D-6E8A-4147-A177-3AD203B41FA5}">
-                      <a16:colId xmlns:a16="http://schemas.microsoft.com/office/drawing/2014/main" xmlns="" val="20000"/>
+                      <a16:colId xmlns="" xmlns:a16="http://schemas.microsoft.com/office/drawing/2014/main" val="20000"/>
                     </a:ext>
                   </a:extLst>
                 </a:gridCol>
                 <a:gridCol w="2592740">
                   <a:extLst>
                     <a:ext uri="{9D8B030D-6E8A-4147-A177-3AD203B41FA5}">
-                      <a16:colId xmlns:a16="http://schemas.microsoft.com/office/drawing/2014/main" xmlns="" val="20001"/>
+                      <a16:colId xmlns="" xmlns:a16="http://schemas.microsoft.com/office/drawing/2014/main" val="20001"/>
                     </a:ext>
                   </a:extLst>
                 </a:gridCol>
                 <a:gridCol w="625441">
                   <a:extLst>
                     <a:ext uri="{9D8B030D-6E8A-4147-A177-3AD203B41FA5}">
-                      <a16:colId xmlns:a16="http://schemas.microsoft.com/office/drawing/2014/main" xmlns="" val="20002"/>
+                      <a16:colId xmlns="" xmlns:a16="http://schemas.microsoft.com/office/drawing/2014/main" val="20002"/>
                     </a:ext>
                   </a:extLst>
                 </a:gridCol>
                 <a:gridCol w="625441">
                   <a:extLst>
                     <a:ext uri="{9D8B030D-6E8A-4147-A177-3AD203B41FA5}">
-                      <a16:colId xmlns:a16="http://schemas.microsoft.com/office/drawing/2014/main" xmlns="" val="20003"/>
+                      <a16:colId xmlns="" xmlns:a16="http://schemas.microsoft.com/office/drawing/2014/main" val="20003"/>
                     </a:ext>
                   </a:extLst>
                 </a:gridCol>
                 <a:gridCol w="625441">
                   <a:extLst>
                     <a:ext uri="{9D8B030D-6E8A-4147-A177-3AD203B41FA5}">
-                      <a16:colId xmlns:a16="http://schemas.microsoft.com/office/drawing/2014/main" xmlns="" val="20004"/>
+                      <a16:colId xmlns="" xmlns:a16="http://schemas.microsoft.com/office/drawing/2014/main" val="20004"/>
                     </a:ext>
                   </a:extLst>
                 </a:gridCol>
                 <a:gridCol w="625441">
                   <a:extLst>
                     <a:ext uri="{9D8B030D-6E8A-4147-A177-3AD203B41FA5}">
-                      <a16:colId xmlns:a16="http://schemas.microsoft.com/office/drawing/2014/main" xmlns="" val="20005"/>
+                      <a16:colId xmlns="" xmlns:a16="http://schemas.microsoft.com/office/drawing/2014/main" val="20005"/>
                     </a:ext>
                   </a:extLst>
                 </a:gridCol>
                 <a:gridCol w="625441">
                   <a:extLst>
                     <a:ext uri="{9D8B030D-6E8A-4147-A177-3AD203B41FA5}">
-                      <a16:colId xmlns:a16="http://schemas.microsoft.com/office/drawing/2014/main" xmlns="" val="20006"/>
+                      <a16:colId xmlns="" xmlns:a16="http://schemas.microsoft.com/office/drawing/2014/main" val="20006"/>
                     </a:ext>
                   </a:extLst>
                 </a:gridCol>
                 <a:gridCol w="625441">
                   <a:extLst>
                     <a:ext uri="{9D8B030D-6E8A-4147-A177-3AD203B41FA5}">
-                      <a16:colId xmlns:a16="http://schemas.microsoft.com/office/drawing/2014/main" xmlns="" val="20007"/>
+                      <a16:colId xmlns="" xmlns:a16="http://schemas.microsoft.com/office/drawing/2014/main" val="20007"/>
                     </a:ext>
                   </a:extLst>
                 </a:gridCol>
                 <a:gridCol w="625441">
                   <a:extLst>
                     <a:ext uri="{9D8B030D-6E8A-4147-A177-3AD203B41FA5}">
-                      <a16:colId xmlns:a16="http://schemas.microsoft.com/office/drawing/2014/main" xmlns="" val="20008"/>
+                      <a16:colId xmlns="" xmlns:a16="http://schemas.microsoft.com/office/drawing/2014/main" val="20008"/>
                     </a:ext>
                   </a:extLst>
                 </a:gridCol>
                 <a:gridCol w="625441">
                   <a:extLst>
                     <a:ext uri="{9D8B030D-6E8A-4147-A177-3AD203B41FA5}">
-                      <a16:colId xmlns:a16="http://schemas.microsoft.com/office/drawing/2014/main" xmlns="" val="20009"/>
+                      <a16:colId xmlns="" xmlns:a16="http://schemas.microsoft.com/office/drawing/2014/main" val="20009"/>
                     </a:ext>
                   </a:extLst>
                 </a:gridCol>
@@ -23202,7 +23252,7 @@
                 </a:tc>
                 <a:extLst>
                   <a:ext uri="{0D108BD9-81ED-4DB2-BD59-A6C34878D82A}">
-                    <a16:rowId xmlns:a16="http://schemas.microsoft.com/office/drawing/2014/main" xmlns="" val="10000"/>
+                    <a16:rowId xmlns="" xmlns:a16="http://schemas.microsoft.com/office/drawing/2014/main" val="10000"/>
                   </a:ext>
                 </a:extLst>
               </a:tr>
@@ -23427,7 +23477,7 @@
                 </a:tc>
                 <a:extLst>
                   <a:ext uri="{0D108BD9-81ED-4DB2-BD59-A6C34878D82A}">
-                    <a16:rowId xmlns:a16="http://schemas.microsoft.com/office/drawing/2014/main" xmlns="" val="10001"/>
+                    <a16:rowId xmlns="" xmlns:a16="http://schemas.microsoft.com/office/drawing/2014/main" val="10001"/>
                   </a:ext>
                 </a:extLst>
               </a:tr>
@@ -23662,7 +23712,7 @@
                 </a:tc>
                 <a:extLst>
                   <a:ext uri="{0D108BD9-81ED-4DB2-BD59-A6C34878D82A}">
-                    <a16:rowId xmlns:a16="http://schemas.microsoft.com/office/drawing/2014/main" xmlns="" val="10002"/>
+                    <a16:rowId xmlns="" xmlns:a16="http://schemas.microsoft.com/office/drawing/2014/main" val="10002"/>
                   </a:ext>
                 </a:extLst>
               </a:tr>
@@ -23907,7 +23957,7 @@
                 </a:tc>
                 <a:extLst>
                   <a:ext uri="{0D108BD9-81ED-4DB2-BD59-A6C34878D82A}">
-                    <a16:rowId xmlns:a16="http://schemas.microsoft.com/office/drawing/2014/main" xmlns="" val="10003"/>
+                    <a16:rowId xmlns="" xmlns:a16="http://schemas.microsoft.com/office/drawing/2014/main" val="10003"/>
                   </a:ext>
                 </a:extLst>
               </a:tr>
@@ -24135,7 +24185,7 @@
                 </a:tc>
                 <a:extLst>
                   <a:ext uri="{0D108BD9-81ED-4DB2-BD59-A6C34878D82A}">
-                    <a16:rowId xmlns:a16="http://schemas.microsoft.com/office/drawing/2014/main" xmlns="" val="10004"/>
+                    <a16:rowId xmlns="" xmlns:a16="http://schemas.microsoft.com/office/drawing/2014/main" val="10004"/>
                   </a:ext>
                 </a:extLst>
               </a:tr>
@@ -24346,7 +24396,7 @@
                 </a:tc>
                 <a:extLst>
                   <a:ext uri="{0D108BD9-81ED-4DB2-BD59-A6C34878D82A}">
-                    <a16:rowId xmlns:a16="http://schemas.microsoft.com/office/drawing/2014/main" xmlns="" val="10005"/>
+                    <a16:rowId xmlns="" xmlns:a16="http://schemas.microsoft.com/office/drawing/2014/main" val="10005"/>
                   </a:ext>
                 </a:extLst>
               </a:tr>
@@ -24604,7 +24654,7 @@
                 </a:tc>
                 <a:extLst>
                   <a:ext uri="{0D108BD9-81ED-4DB2-BD59-A6C34878D82A}">
-                    <a16:rowId xmlns:a16="http://schemas.microsoft.com/office/drawing/2014/main" xmlns="" val="10006"/>
+                    <a16:rowId xmlns="" xmlns:a16="http://schemas.microsoft.com/office/drawing/2014/main" val="10006"/>
                   </a:ext>
                 </a:extLst>
               </a:tr>
@@ -24878,7 +24928,7 @@
                 </a:tc>
                 <a:extLst>
                   <a:ext uri="{0D108BD9-81ED-4DB2-BD59-A6C34878D82A}">
-                    <a16:rowId xmlns:a16="http://schemas.microsoft.com/office/drawing/2014/main" xmlns="" val="10007"/>
+                    <a16:rowId xmlns="" xmlns:a16="http://schemas.microsoft.com/office/drawing/2014/main" val="10007"/>
                   </a:ext>
                 </a:extLst>
               </a:tr>
@@ -25096,7 +25146,7 @@
                 </a:tc>
                 <a:extLst>
                   <a:ext uri="{0D108BD9-81ED-4DB2-BD59-A6C34878D82A}">
-                    <a16:rowId xmlns:a16="http://schemas.microsoft.com/office/drawing/2014/main" xmlns="" val="10008"/>
+                    <a16:rowId xmlns="" xmlns:a16="http://schemas.microsoft.com/office/drawing/2014/main" val="10008"/>
                   </a:ext>
                 </a:extLst>
               </a:tr>
@@ -25107,7 +25157,7 @@
     </p:spTree>
     <p:extLst>
       <p:ext uri="{BB962C8B-B14F-4D97-AF65-F5344CB8AC3E}">
-        <p14:creationId xmlns:p14="http://schemas.microsoft.com/office/powerpoint/2010/main" xmlns="" val="3012929558"/>
+        <p14:creationId xmlns="" xmlns:p14="http://schemas.microsoft.com/office/powerpoint/2010/main" val="3012929558"/>
       </p:ext>
     </p:extLst>
   </p:cSld>
@@ -25515,7 +25565,7 @@
           <a:blip r:embed="rId2" cstate="print">
             <a:extLst>
               <a:ext uri="{28A0092B-C50C-407E-A947-70E740481C1C}">
-                <a14:useLocalDpi xmlns:a14="http://schemas.microsoft.com/office/drawing/2010/main" xmlns="" val="0"/>
+                <a14:useLocalDpi xmlns="" xmlns:a14="http://schemas.microsoft.com/office/drawing/2010/main" val="0"/>
               </a:ext>
             </a:extLst>
           </a:blip>
@@ -25536,7 +25586,7 @@
           </a:effectLst>
           <a:extLst>
             <a:ext uri="{909E8E84-426E-40DD-AFC4-6F175D3DCCD1}">
-              <a14:hiddenFill xmlns:a14="http://schemas.microsoft.com/office/drawing/2010/main" xmlns="">
+              <a14:hiddenFill xmlns="" xmlns:a14="http://schemas.microsoft.com/office/drawing/2010/main">
                 <a:solidFill>
                   <a:srgbClr val="FFFFFF"/>
                 </a:solidFill>
@@ -25722,7 +25772,7 @@
     </p:spTree>
     <p:extLst>
       <p:ext uri="{BB962C8B-B14F-4D97-AF65-F5344CB8AC3E}">
-        <p14:creationId xmlns:p14="http://schemas.microsoft.com/office/powerpoint/2010/main" xmlns="" val="2432145057"/>
+        <p14:creationId xmlns="" xmlns:p14="http://schemas.microsoft.com/office/powerpoint/2010/main" val="2432145057"/>
       </p:ext>
     </p:extLst>
   </p:cSld>
@@ -26845,7 +26895,7 @@
     </p:spTree>
     <p:extLst>
       <p:ext uri="{BB962C8B-B14F-4D97-AF65-F5344CB8AC3E}">
-        <p14:creationId xmlns:p14="http://schemas.microsoft.com/office/powerpoint/2010/main" xmlns="" val="3713286334"/>
+        <p14:creationId xmlns="" xmlns:p14="http://schemas.microsoft.com/office/powerpoint/2010/main" val="3713286334"/>
       </p:ext>
     </p:extLst>
   </p:cSld>
@@ -27968,7 +28018,7 @@
     </p:spTree>
     <p:extLst>
       <p:ext uri="{BB962C8B-B14F-4D97-AF65-F5344CB8AC3E}">
-        <p14:creationId xmlns:p14="http://schemas.microsoft.com/office/powerpoint/2010/main" xmlns="" val="3277100426"/>
+        <p14:creationId xmlns="" xmlns:p14="http://schemas.microsoft.com/office/powerpoint/2010/main" val="3277100426"/>
       </p:ext>
     </p:extLst>
   </p:cSld>
@@ -28390,7 +28440,7 @@
             <a:blip r:embed="rId2" cstate="print">
               <a:extLst>
                 <a:ext uri="{28A0092B-C50C-407E-A947-70E740481C1C}">
-                  <a14:useLocalDpi xmlns:a14="http://schemas.microsoft.com/office/drawing/2010/main" xmlns="" val="0"/>
+                  <a14:useLocalDpi xmlns="" xmlns:a14="http://schemas.microsoft.com/office/drawing/2010/main" val="0"/>
                 </a:ext>
               </a:extLst>
             </a:blip>
@@ -28411,7 +28461,7 @@
             </a:effectLst>
             <a:extLst>
               <a:ext uri="{909E8E84-426E-40DD-AFC4-6F175D3DCCD1}">
-                <a14:hiddenFill xmlns:a14="http://schemas.microsoft.com/office/drawing/2010/main" xmlns="">
+                <a14:hiddenFill xmlns="" xmlns:a14="http://schemas.microsoft.com/office/drawing/2010/main">
                   <a:solidFill>
                     <a:srgbClr val="FFFFFF"/>
                   </a:solidFill>
@@ -29398,13 +29448,20 @@
     </p:spTree>
     <p:extLst>
       <p:ext uri="{BB962C8B-B14F-4D97-AF65-F5344CB8AC3E}">
-        <p14:creationId xmlns:p14="http://schemas.microsoft.com/office/powerpoint/2010/main" xmlns="" val="1978500204"/>
+        <p14:creationId xmlns="" xmlns:p14="http://schemas.microsoft.com/office/powerpoint/2010/main" val="1978500204"/>
       </p:ext>
     </p:extLst>
   </p:cSld>
   <p:clrMapOvr>
     <a:masterClrMapping/>
   </p:clrMapOvr>
+  <p:timing>
+    <p:tnLst>
+      <p:par>
+        <p:cTn id="1" dur="indefinite" restart="never" nodeType="tmRoot"/>
+      </p:par>
+    </p:tnLst>
+  </p:timing>
 </p:sld>
 </file>
 
@@ -29820,7 +29877,7 @@
             <a:blip r:embed="rId2" cstate="print">
               <a:extLst>
                 <a:ext uri="{28A0092B-C50C-407E-A947-70E740481C1C}">
-                  <a14:useLocalDpi xmlns:a14="http://schemas.microsoft.com/office/drawing/2010/main" xmlns="" val="0"/>
+                  <a14:useLocalDpi xmlns="" xmlns:a14="http://schemas.microsoft.com/office/drawing/2010/main" val="0"/>
                 </a:ext>
               </a:extLst>
             </a:blip>
@@ -29841,7 +29898,7 @@
             </a:effectLst>
             <a:extLst>
               <a:ext uri="{909E8E84-426E-40DD-AFC4-6F175D3DCCD1}">
-                <a14:hiddenFill xmlns:a14="http://schemas.microsoft.com/office/drawing/2010/main" xmlns="">
+                <a14:hiddenFill xmlns="" xmlns:a14="http://schemas.microsoft.com/office/drawing/2010/main">
                   <a:solidFill>
                     <a:srgbClr val="FFFFFF"/>
                   </a:solidFill>
@@ -30794,7 +30851,7 @@
                 <a:latin typeface="HY강B" panose="02030600000101010101" pitchFamily="18" charset="-127"/>
                 <a:ea typeface="HY강B" panose="02030600000101010101" pitchFamily="18" charset="-127"/>
               </a:rPr>
-              <a:t>난이도로 인하여 현재는 개발이 어려움</a:t>
+              <a:t>현재 관련기술 사례 조사 중에 있음</a:t>
             </a:r>
             <a:endParaRPr lang="en-US" altLang="ko-KR" sz="2400" dirty="0">
               <a:solidFill>
@@ -30894,13 +30951,20 @@
     </p:spTree>
     <p:extLst>
       <p:ext uri="{BB962C8B-B14F-4D97-AF65-F5344CB8AC3E}">
-        <p14:creationId xmlns:p14="http://schemas.microsoft.com/office/powerpoint/2010/main" xmlns="" val="3935840889"/>
+        <p14:creationId xmlns="" xmlns:p14="http://schemas.microsoft.com/office/powerpoint/2010/main" val="3935840889"/>
       </p:ext>
     </p:extLst>
   </p:cSld>
   <p:clrMapOvr>
     <a:masterClrMapping/>
   </p:clrMapOvr>
+  <p:timing>
+    <p:tnLst>
+      <p:par>
+        <p:cTn id="1" dur="indefinite" restart="never" nodeType="tmRoot"/>
+      </p:par>
+    </p:tnLst>
+  </p:timing>
 </p:sld>
 </file>
 
@@ -31381,7 +31445,7 @@
             <a:blip r:embed="rId2" cstate="print">
               <a:extLst>
                 <a:ext uri="{28A0092B-C50C-407E-A947-70E740481C1C}">
-                  <a14:useLocalDpi xmlns:a14="http://schemas.microsoft.com/office/drawing/2010/main" xmlns="" val="0"/>
+                  <a14:useLocalDpi xmlns="" xmlns:a14="http://schemas.microsoft.com/office/drawing/2010/main" val="0"/>
                 </a:ext>
               </a:extLst>
             </a:blip>
@@ -31402,7 +31466,7 @@
             </a:effectLst>
             <a:extLst>
               <a:ext uri="{909E8E84-426E-40DD-AFC4-6F175D3DCCD1}">
-                <a14:hiddenFill xmlns:a14="http://schemas.microsoft.com/office/drawing/2010/main" xmlns="">
+                <a14:hiddenFill xmlns="" xmlns:a14="http://schemas.microsoft.com/office/drawing/2010/main">
                   <a:solidFill>
                     <a:srgbClr val="FFFFFF"/>
                   </a:solidFill>
@@ -32496,13 +32560,20 @@
     </p:spTree>
     <p:extLst>
       <p:ext uri="{BB962C8B-B14F-4D97-AF65-F5344CB8AC3E}">
-        <p14:creationId xmlns:p14="http://schemas.microsoft.com/office/powerpoint/2010/main" xmlns="" val="2665084016"/>
+        <p14:creationId xmlns="" xmlns:p14="http://schemas.microsoft.com/office/powerpoint/2010/main" val="2665084016"/>
       </p:ext>
     </p:extLst>
   </p:cSld>
   <p:clrMapOvr>
     <a:masterClrMapping/>
   </p:clrMapOvr>
+  <p:timing>
+    <p:tnLst>
+      <p:par>
+        <p:cTn id="1" dur="indefinite" restart="never" nodeType="tmRoot"/>
+      </p:par>
+    </p:tnLst>
+  </p:timing>
 </p:sld>
 </file>
 
@@ -32904,7 +32975,7 @@
           <a:blip r:embed="rId2" cstate="print">
             <a:extLst>
               <a:ext uri="{28A0092B-C50C-407E-A947-70E740481C1C}">
-                <a14:useLocalDpi xmlns:a14="http://schemas.microsoft.com/office/drawing/2010/main" xmlns="" val="0"/>
+                <a14:useLocalDpi xmlns="" xmlns:a14="http://schemas.microsoft.com/office/drawing/2010/main" val="0"/>
               </a:ext>
             </a:extLst>
           </a:blip>
@@ -32925,7 +32996,7 @@
           </a:effectLst>
           <a:extLst>
             <a:ext uri="{909E8E84-426E-40DD-AFC4-6F175D3DCCD1}">
-              <a14:hiddenFill xmlns:a14="http://schemas.microsoft.com/office/drawing/2010/main" xmlns="">
+              <a14:hiddenFill xmlns="" xmlns:a14="http://schemas.microsoft.com/office/drawing/2010/main">
                 <a:solidFill>
                   <a:srgbClr val="FFFFFF"/>
                 </a:solidFill>
@@ -33809,7 +33880,7 @@
           <a:blip r:embed="rId3" cstate="print">
             <a:extLst>
               <a:ext uri="{28A0092B-C50C-407E-A947-70E740481C1C}">
-                <a14:useLocalDpi xmlns:a14="http://schemas.microsoft.com/office/drawing/2010/main" xmlns="" val="0"/>
+                <a14:useLocalDpi xmlns="" xmlns:a14="http://schemas.microsoft.com/office/drawing/2010/main" val="0"/>
               </a:ext>
             </a:extLst>
           </a:blip>
@@ -33839,7 +33910,7 @@
           <a:blip r:embed="rId3" cstate="print">
             <a:extLst>
               <a:ext uri="{28A0092B-C50C-407E-A947-70E740481C1C}">
-                <a14:useLocalDpi xmlns:a14="http://schemas.microsoft.com/office/drawing/2010/main" xmlns="" val="0"/>
+                <a14:useLocalDpi xmlns="" xmlns:a14="http://schemas.microsoft.com/office/drawing/2010/main" val="0"/>
               </a:ext>
             </a:extLst>
           </a:blip>
@@ -34544,13 +34615,20 @@
     </p:spTree>
     <p:extLst>
       <p:ext uri="{BB962C8B-B14F-4D97-AF65-F5344CB8AC3E}">
-        <p14:creationId xmlns:p14="http://schemas.microsoft.com/office/powerpoint/2010/main" xmlns="" val="3186539542"/>
+        <p14:creationId xmlns="" xmlns:p14="http://schemas.microsoft.com/office/powerpoint/2010/main" val="3186539542"/>
       </p:ext>
     </p:extLst>
   </p:cSld>
   <p:clrMapOvr>
     <a:masterClrMapping/>
   </p:clrMapOvr>
+  <p:timing>
+    <p:tnLst>
+      <p:par>
+        <p:cTn id="1" dur="indefinite" restart="never" nodeType="tmRoot"/>
+      </p:par>
+    </p:tnLst>
+  </p:timing>
 </p:sld>
 </file>
 
@@ -34952,7 +35030,7 @@
           <a:blip r:embed="rId2" cstate="print">
             <a:extLst>
               <a:ext uri="{28A0092B-C50C-407E-A947-70E740481C1C}">
-                <a14:useLocalDpi xmlns:a14="http://schemas.microsoft.com/office/drawing/2010/main" xmlns="" val="0"/>
+                <a14:useLocalDpi xmlns="" xmlns:a14="http://schemas.microsoft.com/office/drawing/2010/main" val="0"/>
               </a:ext>
             </a:extLst>
           </a:blip>
@@ -34973,7 +35051,7 @@
           </a:effectLst>
           <a:extLst>
             <a:ext uri="{909E8E84-426E-40DD-AFC4-6F175D3DCCD1}">
-              <a14:hiddenFill xmlns:a14="http://schemas.microsoft.com/office/drawing/2010/main" xmlns="">
+              <a14:hiddenFill xmlns="" xmlns:a14="http://schemas.microsoft.com/office/drawing/2010/main">
                 <a:solidFill>
                   <a:srgbClr val="FFFFFF"/>
                 </a:solidFill>
@@ -35008,7 +35086,7 @@
             <a:blip r:embed="rId3" cstate="print">
               <a:extLst>
                 <a:ext uri="{28A0092B-C50C-407E-A947-70E740481C1C}">
-                  <a14:useLocalDpi xmlns:a14="http://schemas.microsoft.com/office/drawing/2010/main" xmlns="" val="0"/>
+                  <a14:useLocalDpi xmlns="" xmlns:a14="http://schemas.microsoft.com/office/drawing/2010/main" val="0"/>
                 </a:ext>
               </a:extLst>
             </a:blip>
@@ -37232,7 +37310,7 @@
     </p:spTree>
     <p:extLst>
       <p:ext uri="{BB962C8B-B14F-4D97-AF65-F5344CB8AC3E}">
-        <p14:creationId xmlns:p14="http://schemas.microsoft.com/office/powerpoint/2010/main" xmlns="" val="2205467963"/>
+        <p14:creationId xmlns="" xmlns:p14="http://schemas.microsoft.com/office/powerpoint/2010/main" val="2205467963"/>
       </p:ext>
     </p:extLst>
   </p:cSld>
@@ -37640,7 +37718,7 @@
           <a:blip r:embed="rId2" cstate="print">
             <a:extLst>
               <a:ext uri="{28A0092B-C50C-407E-A947-70E740481C1C}">
-                <a14:useLocalDpi xmlns:a14="http://schemas.microsoft.com/office/drawing/2010/main" xmlns="" val="0"/>
+                <a14:useLocalDpi xmlns="" xmlns:a14="http://schemas.microsoft.com/office/drawing/2010/main" val="0"/>
               </a:ext>
             </a:extLst>
           </a:blip>
@@ -37661,7 +37739,7 @@
           </a:effectLst>
           <a:extLst>
             <a:ext uri="{909E8E84-426E-40DD-AFC4-6F175D3DCCD1}">
-              <a14:hiddenFill xmlns:a14="http://schemas.microsoft.com/office/drawing/2010/main" xmlns="">
+              <a14:hiddenFill xmlns="" xmlns:a14="http://schemas.microsoft.com/office/drawing/2010/main">
                 <a:solidFill>
                   <a:srgbClr val="FFFFFF"/>
                 </a:solidFill>
@@ -37696,7 +37774,7 @@
             <a:blip r:embed="rId3" cstate="print">
               <a:extLst>
                 <a:ext uri="{28A0092B-C50C-407E-A947-70E740481C1C}">
-                  <a14:useLocalDpi xmlns:a14="http://schemas.microsoft.com/office/drawing/2010/main" xmlns="" val="0"/>
+                  <a14:useLocalDpi xmlns="" xmlns:a14="http://schemas.microsoft.com/office/drawing/2010/main" val="0"/>
                 </a:ext>
               </a:extLst>
             </a:blip>
@@ -40362,7 +40440,7 @@
     </p:spTree>
     <p:extLst>
       <p:ext uri="{BB962C8B-B14F-4D97-AF65-F5344CB8AC3E}">
-        <p14:creationId xmlns:p14="http://schemas.microsoft.com/office/powerpoint/2010/main" xmlns="" val="1000371040"/>
+        <p14:creationId xmlns="" xmlns:p14="http://schemas.microsoft.com/office/powerpoint/2010/main" val="1000371040"/>
       </p:ext>
     </p:extLst>
   </p:cSld>
@@ -40770,7 +40848,7 @@
           <a:blip r:embed="rId2" cstate="print">
             <a:extLst>
               <a:ext uri="{28A0092B-C50C-407E-A947-70E740481C1C}">
-                <a14:useLocalDpi xmlns:a14="http://schemas.microsoft.com/office/drawing/2010/main" xmlns="" val="0"/>
+                <a14:useLocalDpi xmlns="" xmlns:a14="http://schemas.microsoft.com/office/drawing/2010/main" val="0"/>
               </a:ext>
             </a:extLst>
           </a:blip>
@@ -40791,7 +40869,7 @@
           </a:effectLst>
           <a:extLst>
             <a:ext uri="{909E8E84-426E-40DD-AFC4-6F175D3DCCD1}">
-              <a14:hiddenFill xmlns:a14="http://schemas.microsoft.com/office/drawing/2010/main" xmlns="">
+              <a14:hiddenFill xmlns="" xmlns:a14="http://schemas.microsoft.com/office/drawing/2010/main">
                 <a:solidFill>
                   <a:srgbClr val="FFFFFF"/>
                 </a:solidFill>
@@ -40826,7 +40904,7 @@
             <a:blip r:embed="rId3" cstate="print">
               <a:extLst>
                 <a:ext uri="{28A0092B-C50C-407E-A947-70E740481C1C}">
-                  <a14:useLocalDpi xmlns:a14="http://schemas.microsoft.com/office/drawing/2010/main" xmlns="" val="0"/>
+                  <a14:useLocalDpi xmlns="" xmlns:a14="http://schemas.microsoft.com/office/drawing/2010/main" val="0"/>
                 </a:ext>
               </a:extLst>
             </a:blip>
@@ -43453,7 +43531,7 @@
     </p:spTree>
     <p:extLst>
       <p:ext uri="{BB962C8B-B14F-4D97-AF65-F5344CB8AC3E}">
-        <p14:creationId xmlns:p14="http://schemas.microsoft.com/office/powerpoint/2010/main" xmlns="" val="2281845089"/>
+        <p14:creationId xmlns="" xmlns:p14="http://schemas.microsoft.com/office/powerpoint/2010/main" val="2281845089"/>
       </p:ext>
     </p:extLst>
   </p:cSld>
@@ -43718,7 +43796,7 @@
   <a:extraClrSchemeLst/>
   <a:extLst>
     <a:ext uri="{05A4C25C-085E-4340-85A3-A5531E510DB2}">
-      <thm15:themeFamily xmlns:thm15="http://schemas.microsoft.com/office/thememl/2012/main" xmlns="" name="Office Theme" id="{62F939B6-93AF-4DB8-9C6B-D6C7DFDC589F}" vid="{4A3C46E8-61CC-4603-A589-7422A47A8E4A}"/>
+      <thm15:themeFamily xmlns="" xmlns:thm15="http://schemas.microsoft.com/office/thememl/2012/main" name="Office Theme" id="{62F939B6-93AF-4DB8-9C6B-D6C7DFDC589F}" vid="{4A3C46E8-61CC-4603-A589-7422A47A8E4A}"/>
     </a:ext>
   </a:extLst>
 </a:theme>
